--- a/ingenieria del software- cosme higuera/PORTAFOLIO LP.pptx
+++ b/ingenieria del software- cosme higuera/PORTAFOLIO LP.pptx
@@ -303,7 +303,7 @@
             <a:fld id="{4279B3A8-DA79-4CF1-91E8-D6027EBD2B42}" type="datetimeFigureOut">
               <a:rPr lang="es-MX" smtClean="0"/>
               <a:pPr/>
-              <a:t>29/04/2015</a:t>
+              <a:t>10/06/2015</a:t>
             </a:fld>
             <a:endParaRPr lang="es-MX" dirty="0"/>
           </a:p>
@@ -470,7 +470,7 @@
             <a:fld id="{4279B3A8-DA79-4CF1-91E8-D6027EBD2B42}" type="datetimeFigureOut">
               <a:rPr lang="es-MX" smtClean="0"/>
               <a:pPr/>
-              <a:t>29/04/2015</a:t>
+              <a:t>10/06/2015</a:t>
             </a:fld>
             <a:endParaRPr lang="es-MX" dirty="0"/>
           </a:p>
@@ -647,7 +647,7 @@
             <a:fld id="{4279B3A8-DA79-4CF1-91E8-D6027EBD2B42}" type="datetimeFigureOut">
               <a:rPr lang="es-MX" smtClean="0"/>
               <a:pPr/>
-              <a:t>29/04/2015</a:t>
+              <a:t>10/06/2015</a:t>
             </a:fld>
             <a:endParaRPr lang="es-MX" dirty="0"/>
           </a:p>
@@ -814,7 +814,7 @@
             <a:fld id="{4279B3A8-DA79-4CF1-91E8-D6027EBD2B42}" type="datetimeFigureOut">
               <a:rPr lang="es-MX" smtClean="0"/>
               <a:pPr/>
-              <a:t>29/04/2015</a:t>
+              <a:t>10/06/2015</a:t>
             </a:fld>
             <a:endParaRPr lang="es-MX" dirty="0"/>
           </a:p>
@@ -1057,7 +1057,7 @@
             <a:fld id="{4279B3A8-DA79-4CF1-91E8-D6027EBD2B42}" type="datetimeFigureOut">
               <a:rPr lang="es-MX" smtClean="0"/>
               <a:pPr/>
-              <a:t>29/04/2015</a:t>
+              <a:t>10/06/2015</a:t>
             </a:fld>
             <a:endParaRPr lang="es-MX" dirty="0"/>
           </a:p>
@@ -1342,7 +1342,7 @@
             <a:fld id="{4279B3A8-DA79-4CF1-91E8-D6027EBD2B42}" type="datetimeFigureOut">
               <a:rPr lang="es-MX" smtClean="0"/>
               <a:pPr/>
-              <a:t>29/04/2015</a:t>
+              <a:t>10/06/2015</a:t>
             </a:fld>
             <a:endParaRPr lang="es-MX" dirty="0"/>
           </a:p>
@@ -1773,7 +1773,7 @@
             <a:fld id="{4279B3A8-DA79-4CF1-91E8-D6027EBD2B42}" type="datetimeFigureOut">
               <a:rPr lang="es-MX" smtClean="0"/>
               <a:pPr/>
-              <a:t>29/04/2015</a:t>
+              <a:t>10/06/2015</a:t>
             </a:fld>
             <a:endParaRPr lang="es-MX" dirty="0"/>
           </a:p>
@@ -1888,7 +1888,7 @@
             <a:fld id="{4279B3A8-DA79-4CF1-91E8-D6027EBD2B42}" type="datetimeFigureOut">
               <a:rPr lang="es-MX" smtClean="0"/>
               <a:pPr/>
-              <a:t>29/04/2015</a:t>
+              <a:t>10/06/2015</a:t>
             </a:fld>
             <a:endParaRPr lang="es-MX" dirty="0"/>
           </a:p>
@@ -1980,7 +1980,7 @@
             <a:fld id="{4279B3A8-DA79-4CF1-91E8-D6027EBD2B42}" type="datetimeFigureOut">
               <a:rPr lang="es-MX" smtClean="0"/>
               <a:pPr/>
-              <a:t>29/04/2015</a:t>
+              <a:t>10/06/2015</a:t>
             </a:fld>
             <a:endParaRPr lang="es-MX" dirty="0"/>
           </a:p>
@@ -2171,7 +2171,7 @@
             <a:fld id="{4279B3A8-DA79-4CF1-91E8-D6027EBD2B42}" type="datetimeFigureOut">
               <a:rPr lang="es-MX" smtClean="0"/>
               <a:pPr/>
-              <a:t>29/04/2015</a:t>
+              <a:t>10/06/2015</a:t>
             </a:fld>
             <a:endParaRPr lang="es-MX" dirty="0"/>
           </a:p>
@@ -2491,7 +2491,7 @@
             <a:fld id="{4279B3A8-DA79-4CF1-91E8-D6027EBD2B42}" type="datetimeFigureOut">
               <a:rPr lang="es-MX" smtClean="0"/>
               <a:pPr/>
-              <a:t>29/04/2015</a:t>
+              <a:t>10/06/2015</a:t>
             </a:fld>
             <a:endParaRPr lang="es-MX" dirty="0"/>
           </a:p>
@@ -2873,7 +2873,7 @@
             <a:fld id="{4279B3A8-DA79-4CF1-91E8-D6027EBD2B42}" type="datetimeFigureOut">
               <a:rPr lang="es-MX" smtClean="0"/>
               <a:pPr/>
-              <a:t>29/04/2015</a:t>
+              <a:t>10/06/2015</a:t>
             </a:fld>
             <a:endParaRPr lang="es-MX" dirty="0"/>
           </a:p>
@@ -3265,12 +3265,18 @@
               <a:t>ASIGNATURA: </a:t>
             </a:r>
             <a:r>
-              <a:rPr lang="es-MX" sz="2800" b="1" dirty="0" smtClean="0">
+              <a:rPr lang="es-MX" sz="2000" b="1" dirty="0" smtClean="0">
                 <a:latin typeface="Baskerville Old Face" pitchFamily="18" charset="0"/>
                 <a:cs typeface="David" panose="020E0502060401010101" pitchFamily="34" charset="-79"/>
               </a:rPr>
-              <a:t>REDES III</a:t>
-            </a:r>
+              <a:t>INGENIERIA DEL SOFTWARE</a:t>
+            </a:r>
+            <a:br>
+              <a:rPr lang="es-MX" sz="2000" b="1" dirty="0" smtClean="0">
+                <a:latin typeface="Baskerville Old Face" pitchFamily="18" charset="0"/>
+                <a:cs typeface="David" panose="020E0502060401010101" pitchFamily="34" charset="-79"/>
+              </a:rPr>
+            </a:br>
             <a:r>
               <a:rPr lang="es-MX" sz="2800" b="1" dirty="0" smtClean="0">
                 <a:latin typeface="Adobe Garamond Pro" pitchFamily="18" charset="0"/>
@@ -3289,6 +3295,20 @@
                 <a:latin typeface="Adobe Garamond Pro" pitchFamily="18" charset="0"/>
                 <a:cs typeface="David" panose="020E0502060401010101" pitchFamily="34" charset="-79"/>
               </a:rPr>
+              <a:t>DOCENTE: </a:t>
+            </a:r>
+            <a:r>
+              <a:rPr lang="es-MX" sz="2800" b="1" dirty="0" smtClean="0">
+                <a:latin typeface="Baskerville Old Face" pitchFamily="18" charset="0"/>
+                <a:cs typeface="David" panose="020E0502060401010101" pitchFamily="34" charset="-79"/>
+              </a:rPr>
+              <a:t>Luis Santillán</a:t>
+            </a:r>
+            <a:r>
+              <a:rPr lang="es-MX" sz="2800" b="1" dirty="0" smtClean="0">
+                <a:latin typeface="Adobe Garamond Pro" pitchFamily="18" charset="0"/>
+                <a:cs typeface="David" panose="020E0502060401010101" pitchFamily="34" charset="-79"/>
+              </a:rPr>
               <a:t/>
             </a:r>
             <a:br>
@@ -3302,20 +3322,6 @@
                 <a:latin typeface="Adobe Garamond Pro" pitchFamily="18" charset="0"/>
                 <a:cs typeface="David" panose="020E0502060401010101" pitchFamily="34" charset="-79"/>
               </a:rPr>
-              <a:t>DOCENTE: </a:t>
-            </a:r>
-            <a:r>
-              <a:rPr lang="es-MX" sz="2800" b="1" dirty="0" smtClean="0">
-                <a:latin typeface="Baskerville Old Face" pitchFamily="18" charset="0"/>
-                <a:cs typeface="David" panose="020E0502060401010101" pitchFamily="34" charset="-79"/>
-              </a:rPr>
-              <a:t>Luis Santillán</a:t>
-            </a:r>
-            <a:r>
-              <a:rPr lang="es-MX" sz="2800" b="1" dirty="0" smtClean="0">
-                <a:latin typeface="Adobe Garamond Pro" pitchFamily="18" charset="0"/>
-                <a:cs typeface="David" panose="020E0502060401010101" pitchFamily="34" charset="-79"/>
-              </a:rPr>
               <a:t/>
             </a:r>
             <a:br>
@@ -3329,6 +3335,20 @@
                 <a:latin typeface="Adobe Garamond Pro" pitchFamily="18" charset="0"/>
                 <a:cs typeface="David" panose="020E0502060401010101" pitchFamily="34" charset="-79"/>
               </a:rPr>
+              <a:t>ESTUDIANTE: </a:t>
+            </a:r>
+            <a:r>
+              <a:rPr lang="es-MX" sz="2400" b="1" dirty="0" smtClean="0">
+                <a:latin typeface="Baskerville Old Face" pitchFamily="18" charset="0"/>
+                <a:cs typeface="David" panose="020E0502060401010101" pitchFamily="34" charset="-79"/>
+              </a:rPr>
+              <a:t>Cosme Higuera</a:t>
+            </a:r>
+            <a:r>
+              <a:rPr lang="es-MX" sz="2800" b="1" dirty="0" smtClean="0">
+                <a:latin typeface="Adobe Garamond Pro" pitchFamily="18" charset="0"/>
+                <a:cs typeface="David" panose="020E0502060401010101" pitchFamily="34" charset="-79"/>
+              </a:rPr>
               <a:t/>
             </a:r>
             <a:br>
@@ -3342,20 +3362,6 @@
                 <a:latin typeface="Adobe Garamond Pro" pitchFamily="18" charset="0"/>
                 <a:cs typeface="David" panose="020E0502060401010101" pitchFamily="34" charset="-79"/>
               </a:rPr>
-              <a:t>ESTUDIANTE: </a:t>
-            </a:r>
-            <a:r>
-              <a:rPr lang="es-MX" sz="2400" b="1" dirty="0" smtClean="0">
-                <a:latin typeface="Baskerville Old Face" pitchFamily="18" charset="0"/>
-                <a:cs typeface="David" panose="020E0502060401010101" pitchFamily="34" charset="-79"/>
-              </a:rPr>
-              <a:t>Cosme Higuera</a:t>
-            </a:r>
-            <a:r>
-              <a:rPr lang="es-MX" sz="2800" b="1" dirty="0" smtClean="0">
-                <a:latin typeface="Adobe Garamond Pro" pitchFamily="18" charset="0"/>
-                <a:cs typeface="David" panose="020E0502060401010101" pitchFamily="34" charset="-79"/>
-              </a:rPr>
               <a:t/>
             </a:r>
             <a:br>
@@ -3369,6 +3375,20 @@
                 <a:latin typeface="Adobe Garamond Pro" pitchFamily="18" charset="0"/>
                 <a:cs typeface="David" panose="020E0502060401010101" pitchFamily="34" charset="-79"/>
               </a:rPr>
+              <a:t>MATRICULA: </a:t>
+            </a:r>
+            <a:r>
+              <a:rPr lang="es-MX" sz="2800" b="1" dirty="0" smtClean="0">
+                <a:latin typeface="Baskerville Old Face" pitchFamily="18" charset="0"/>
+                <a:cs typeface="David" panose="020E0502060401010101" pitchFamily="34" charset="-79"/>
+              </a:rPr>
+              <a:t>28133039</a:t>
+            </a:r>
+            <a:r>
+              <a:rPr lang="es-MX" sz="2800" b="1" dirty="0" smtClean="0">
+                <a:latin typeface="Adobe Garamond Pro" pitchFamily="18" charset="0"/>
+                <a:cs typeface="David" panose="020E0502060401010101" pitchFamily="34" charset="-79"/>
+              </a:rPr>
               <a:t/>
             </a:r>
             <a:br>
@@ -3382,20 +3402,6 @@
                 <a:latin typeface="Adobe Garamond Pro" pitchFamily="18" charset="0"/>
                 <a:cs typeface="David" panose="020E0502060401010101" pitchFamily="34" charset="-79"/>
               </a:rPr>
-              <a:t>MATRICULA: </a:t>
-            </a:r>
-            <a:r>
-              <a:rPr lang="es-MX" sz="2800" b="1" dirty="0" smtClean="0">
-                <a:latin typeface="Baskerville Old Face" pitchFamily="18" charset="0"/>
-                <a:cs typeface="David" panose="020E0502060401010101" pitchFamily="34" charset="-79"/>
-              </a:rPr>
-              <a:t>28133039</a:t>
-            </a:r>
-            <a:r>
-              <a:rPr lang="es-MX" sz="2800" b="1" dirty="0" smtClean="0">
-                <a:latin typeface="Adobe Garamond Pro" pitchFamily="18" charset="0"/>
-                <a:cs typeface="David" panose="020E0502060401010101" pitchFamily="34" charset="-79"/>
-              </a:rPr>
               <a:t/>
             </a:r>
             <a:br>
@@ -3409,33 +3415,20 @@
                 <a:latin typeface="Adobe Garamond Pro" pitchFamily="18" charset="0"/>
                 <a:cs typeface="David" panose="020E0502060401010101" pitchFamily="34" charset="-79"/>
               </a:rPr>
-              <a:t/>
-            </a:r>
-            <a:br>
+              <a:t>CICLO: </a:t>
+            </a:r>
+            <a:r>
+              <a:rPr lang="es-MX" sz="2600" b="1" dirty="0" smtClean="0">
+                <a:latin typeface="Baskerville Old Face" pitchFamily="18" charset="0"/>
+                <a:cs typeface="David" panose="020E0502060401010101" pitchFamily="34" charset="-79"/>
+              </a:rPr>
+              <a:t>2015</a:t>
+            </a:r>
+            <a:r>
               <a:rPr lang="es-MX" sz="2800" b="1" dirty="0" smtClean="0">
                 <a:latin typeface="Adobe Garamond Pro" pitchFamily="18" charset="0"/>
                 <a:cs typeface="David" panose="020E0502060401010101" pitchFamily="34" charset="-79"/>
               </a:rPr>
-            </a:br>
-            <a:r>
-              <a:rPr lang="es-MX" sz="2800" b="1" dirty="0" smtClean="0">
-                <a:latin typeface="Adobe Garamond Pro" pitchFamily="18" charset="0"/>
-                <a:cs typeface="David" panose="020E0502060401010101" pitchFamily="34" charset="-79"/>
-              </a:rPr>
-              <a:t>CICLO: </a:t>
-            </a:r>
-            <a:r>
-              <a:rPr lang="es-MX" sz="2600" b="1" dirty="0" smtClean="0">
-                <a:latin typeface="Baskerville Old Face" pitchFamily="18" charset="0"/>
-                <a:cs typeface="David" panose="020E0502060401010101" pitchFamily="34" charset="-79"/>
-              </a:rPr>
-              <a:t>2015</a:t>
-            </a:r>
-            <a:r>
-              <a:rPr lang="es-MX" sz="2800" b="1" dirty="0" smtClean="0">
-                <a:latin typeface="Adobe Garamond Pro" pitchFamily="18" charset="0"/>
-                <a:cs typeface="David" panose="020E0502060401010101" pitchFamily="34" charset="-79"/>
-              </a:rPr>
               <a:t>    FECHA: </a:t>
             </a:r>
             <a:r>
@@ -3443,14 +3436,14 @@
                 <a:latin typeface="Baskerville Old Face" pitchFamily="18" charset="0"/>
                 <a:cs typeface="David" panose="020E0502060401010101" pitchFamily="34" charset="-79"/>
               </a:rPr>
-              <a:t>23-Mar</a:t>
+              <a:t>11-MAY</a:t>
             </a:r>
             <a:r>
               <a:rPr lang="es-MX" sz="2400" b="1" cap="none" dirty="0" smtClean="0">
                 <a:latin typeface="Baskerville Old Face" pitchFamily="18" charset="0"/>
                 <a:cs typeface="David" panose="020E0502060401010101" pitchFamily="34" charset="-79"/>
               </a:rPr>
-              <a:t>/ 30-Abr-2015</a:t>
+              <a:t>/ 11-JUN-2015</a:t>
             </a:r>
             <a:r>
               <a:rPr lang="es-MX" sz="3600" cap="none" dirty="0" smtClean="0">
@@ -3694,7 +3687,22 @@
                 <a:cs typeface="Consolas" panose="020B0609020204030204" pitchFamily="49" charset="0"/>
                 <a:hlinkClick r:id="rId4" action="ppaction://hlinkfile"/>
               </a:rPr>
-              <a:t>CURRICULUM </a:t>
+              <a:t>CURRICULUM</a:t>
+            </a:r>
+            <a:r>
+              <a:rPr lang="es-MX" sz="3000" b="1" u="sng" dirty="0" smtClean="0">
+                <a:effectLst>
+                  <a:outerShdw blurRad="38100" dist="38100" dir="2700000" algn="tl">
+                    <a:srgbClr val="000000">
+                      <a:alpha val="43137"/>
+                    </a:srgbClr>
+                  </a:outerShdw>
+                </a:effectLst>
+                <a:latin typeface="Bookman Old Style" pitchFamily="18" charset="0"/>
+                <a:cs typeface="Consolas" panose="020B0609020204030204" pitchFamily="49" charset="0"/>
+                <a:hlinkClick r:id="rId4" action="ppaction://hlinkfile"/>
+              </a:rPr>
+              <a:t> </a:t>
             </a:r>
             <a:r>
               <a:rPr lang="es-MX" sz="3000" b="1" u="sng" dirty="0" smtClean="0">
